--- a/poster/Poster.pptx
+++ b/poster/Poster.pptx
@@ -3718,7 +3718,7 @@
       <dgm:prSet presAssocID="{A518A75D-9854-4CDE-9FB7-B1EBB324AAED}" presName="Image" presStyleLbl="node1" presStyleIdx="0" presStyleCnt="4"/>
       <dgm:spPr>
         <a:blipFill>
-          <a:blip xmlns:r="http://schemas.openxmlformats.org/officeDocument/2006/relationships" r:embed="rId1">
+          <a:blip xmlns:r="http://schemas.openxmlformats.org/officeDocument/2006/relationships" r:embed="rId1" cstate="print">
             <a:extLst>
               <a:ext uri="{28A0092B-C50C-407E-A947-70E740481C1C}">
                 <a14:useLocalDpi xmlns:a14="http://schemas.microsoft.com/office/drawing/2010/main" val="0"/>
@@ -3764,7 +3764,7 @@
       <dgm:prSet presAssocID="{25AF84C7-6ED7-450C-83EA-4337CE735A70}" presName="Image" presStyleLbl="node1" presStyleIdx="1" presStyleCnt="4"/>
       <dgm:spPr>
         <a:blipFill>
-          <a:blip xmlns:r="http://schemas.openxmlformats.org/officeDocument/2006/relationships" r:embed="rId2">
+          <a:blip xmlns:r="http://schemas.openxmlformats.org/officeDocument/2006/relationships" r:embed="rId2" cstate="print">
             <a:extLst>
               <a:ext uri="{28A0092B-C50C-407E-A947-70E740481C1C}">
                 <a14:useLocalDpi xmlns:a14="http://schemas.microsoft.com/office/drawing/2010/main" val="0"/>
@@ -4487,7 +4487,7 @@
       <dgm:prSet presAssocID="{069B68DF-DBC4-4167-AFA6-C5BA331E9AE3}" presName="imgShp" presStyleLbl="fgImgPlace1" presStyleIdx="2" presStyleCnt="6" custLinFactNeighborX="-72887" custLinFactNeighborY="-142"/>
       <dgm:spPr>
         <a:blipFill>
-          <a:blip xmlns:r="http://schemas.openxmlformats.org/officeDocument/2006/relationships" r:embed="rId3">
+          <a:blip xmlns:r="http://schemas.openxmlformats.org/officeDocument/2006/relationships" r:embed="rId3" cstate="print">
             <a:extLst>
               <a:ext uri="{28A0092B-C50C-407E-A947-70E740481C1C}">
                 <a14:useLocalDpi xmlns:a14="http://schemas.microsoft.com/office/drawing/2010/main" val="0"/>
@@ -4521,7 +4521,7 @@
       <dgm:prSet presAssocID="{30B3975B-68BE-4F62-8274-35AF98B2C47D}" presName="imgShp" presStyleLbl="fgImgPlace1" presStyleIdx="3" presStyleCnt="6" custLinFactNeighborX="-71183" custLinFactNeighborY="-974"/>
       <dgm:spPr>
         <a:blipFill>
-          <a:blip xmlns:r="http://schemas.openxmlformats.org/officeDocument/2006/relationships" r:embed="rId4">
+          <a:blip xmlns:r="http://schemas.openxmlformats.org/officeDocument/2006/relationships" r:embed="rId4" cstate="print">
             <a:extLst>
               <a:ext uri="{28A0092B-C50C-407E-A947-70E740481C1C}">
                 <a14:useLocalDpi xmlns:a14="http://schemas.microsoft.com/office/drawing/2010/main" val="0"/>
@@ -4555,7 +4555,7 @@
       <dgm:prSet presAssocID="{8FE23803-4C7A-4490-8FE1-66CC57CE9906}" presName="imgShp" presStyleLbl="fgImgPlace1" presStyleIdx="4" presStyleCnt="6" custLinFactNeighborX="-73396" custLinFactNeighborY="1388"/>
       <dgm:spPr>
         <a:blipFill>
-          <a:blip xmlns:r="http://schemas.openxmlformats.org/officeDocument/2006/relationships" r:embed="rId5">
+          <a:blip xmlns:r="http://schemas.openxmlformats.org/officeDocument/2006/relationships" r:embed="rId5" cstate="print">
             <a:extLst>
               <a:ext uri="{28A0092B-C50C-407E-A947-70E740481C1C}">
                 <a14:useLocalDpi xmlns:a14="http://schemas.microsoft.com/office/drawing/2010/main" val="0"/>
@@ -5345,7 +5345,7 @@
           <a:avLst/>
         </a:prstGeom>
         <a:blipFill>
-          <a:blip xmlns:r="http://schemas.openxmlformats.org/officeDocument/2006/relationships" r:embed="rId1">
+          <a:blip xmlns:r="http://schemas.openxmlformats.org/officeDocument/2006/relationships" r:embed="rId1" cstate="print">
             <a:extLst>
               <a:ext uri="{28A0092B-C50C-407E-A947-70E740481C1C}">
                 <a14:useLocalDpi xmlns:a14="http://schemas.microsoft.com/office/drawing/2010/main" val="0"/>
@@ -5587,7 +5587,7 @@
           <a:avLst/>
         </a:prstGeom>
         <a:blipFill>
-          <a:blip xmlns:r="http://schemas.openxmlformats.org/officeDocument/2006/relationships" r:embed="rId2">
+          <a:blip xmlns:r="http://schemas.openxmlformats.org/officeDocument/2006/relationships" r:embed="rId2" cstate="print">
             <a:extLst>
               <a:ext uri="{28A0092B-C50C-407E-A947-70E740481C1C}">
                 <a14:useLocalDpi xmlns:a14="http://schemas.microsoft.com/office/drawing/2010/main" val="0"/>
@@ -6685,7 +6685,7 @@
           <a:avLst/>
         </a:prstGeom>
         <a:blipFill>
-          <a:blip xmlns:r="http://schemas.openxmlformats.org/officeDocument/2006/relationships" r:embed="rId3">
+          <a:blip xmlns:r="http://schemas.openxmlformats.org/officeDocument/2006/relationships" r:embed="rId3" cstate="print">
             <a:extLst>
               <a:ext uri="{28A0092B-C50C-407E-A947-70E740481C1C}">
                 <a14:useLocalDpi xmlns:a14="http://schemas.microsoft.com/office/drawing/2010/main" val="0"/>
@@ -6841,7 +6841,7 @@
           <a:avLst/>
         </a:prstGeom>
         <a:blipFill>
-          <a:blip xmlns:r="http://schemas.openxmlformats.org/officeDocument/2006/relationships" r:embed="rId4">
+          <a:blip xmlns:r="http://schemas.openxmlformats.org/officeDocument/2006/relationships" r:embed="rId4" cstate="print">
             <a:extLst>
               <a:ext uri="{28A0092B-C50C-407E-A947-70E740481C1C}">
                 <a14:useLocalDpi xmlns:a14="http://schemas.microsoft.com/office/drawing/2010/main" val="0"/>
@@ -6994,7 +6994,7 @@
           <a:avLst/>
         </a:prstGeom>
         <a:blipFill>
-          <a:blip xmlns:r="http://schemas.openxmlformats.org/officeDocument/2006/relationships" r:embed="rId5">
+          <a:blip xmlns:r="http://schemas.openxmlformats.org/officeDocument/2006/relationships" r:embed="rId5" cstate="print">
             <a:extLst>
               <a:ext uri="{28A0092B-C50C-407E-A947-70E740481C1C}">
                 <a14:useLocalDpi xmlns:a14="http://schemas.microsoft.com/office/drawing/2010/main" val="0"/>
